--- a/Parellel_Face_Recognition_New.pptx
+++ b/Parellel_Face_Recognition_New.pptx
@@ -32,10 +32,7 @@
     <p:sldId id="264" r:id="rId26"/>
     <p:sldId id="265" r:id="rId27"/>
     <p:sldId id="275" r:id="rId28"/>
-    <p:sldId id="277" r:id="rId29"/>
-    <p:sldId id="286" r:id="rId30"/>
-    <p:sldId id="278" r:id="rId31"/>
-    <p:sldId id="279" r:id="rId32"/>
+    <p:sldId id="279" r:id="rId29"/>
   </p:sldIdLst>
   <p:sldSz cx="12192000" cy="6858000"/>
   <p:notesSz cx="7559675" cy="10691813"/>
@@ -134,6 +131,11 @@
       </a:defRPr>
     </a:lvl9pPr>
   </p:defaultTextStyle>
+  <p:extLst>
+    <p:ext uri="{EFAFB233-063F-42B5-8137-9DF3F51BA10A}">
+      <p15:sldGuideLst xmlns:p15="http://schemas.microsoft.com/office/powerpoint/2012/main"/>
+    </p:ext>
+  </p:extLst>
 </p:presentation>
 </file>
 
@@ -338,7 +340,7 @@
                 </a:solidFill>
                 <a:latin typeface="Century Gothic"/>
               </a:rPr>
-              <a:t>06-05-2019</a:t>
+              <a:t>07-05-2019</a:t>
             </a:fld>
             <a:endParaRPr lang="en-IN" sz="1000" b="0" strike="noStrike" spc="-1">
               <a:latin typeface="Times New Roman"/>
@@ -800,7 +802,7 @@
                 </a:solidFill>
                 <a:latin typeface="Century Gothic"/>
               </a:rPr>
-              <a:t>06-05-2019</a:t>
+              <a:t>07-05-2019</a:t>
             </a:fld>
             <a:endParaRPr lang="en-IN" sz="1000" b="0" strike="noStrike" spc="-1">
               <a:latin typeface="Times New Roman"/>
@@ -1076,7 +1078,7 @@
                 </a:solidFill>
                 <a:latin typeface="Century Gothic"/>
               </a:rPr>
-              <a:t>06-05-2019</a:t>
+              <a:t>07-05-2019</a:t>
             </a:fld>
             <a:endParaRPr lang="en-IN" sz="1000" b="0" strike="noStrike" spc="-1">
               <a:latin typeface="Times New Roman"/>
@@ -1410,7 +1412,7 @@
                 </a:solidFill>
                 <a:latin typeface="Century Gothic"/>
               </a:rPr>
-              <a:t>06-05-2019</a:t>
+              <a:t>07-05-2019</a:t>
             </a:fld>
             <a:endParaRPr lang="en-IN" sz="1000" b="0" strike="noStrike" spc="-1">
               <a:latin typeface="Times New Roman"/>
@@ -1754,7 +1756,7 @@
                 </a:solidFill>
                 <a:latin typeface="Century Gothic"/>
               </a:rPr>
-              <a:t>06-05-2019</a:t>
+              <a:t>07-05-2019</a:t>
             </a:fld>
             <a:endParaRPr lang="en-IN" sz="1000" b="0" strike="noStrike" spc="-1">
               <a:latin typeface="Times New Roman"/>
@@ -2082,7 +2084,7 @@
                 </a:solidFill>
                 <a:latin typeface="Century Gothic"/>
               </a:rPr>
-              <a:t>06-05-2019</a:t>
+              <a:t>07-05-2019</a:t>
             </a:fld>
             <a:endParaRPr lang="en-IN" sz="1000" b="0" strike="noStrike" spc="-1">
               <a:latin typeface="Times New Roman"/>
@@ -2475,7 +2477,7 @@
                 </a:solidFill>
                 <a:latin typeface="Century Gothic"/>
               </a:rPr>
-              <a:t>06-05-2019</a:t>
+              <a:t>07-05-2019</a:t>
             </a:fld>
             <a:endParaRPr lang="en-IN" sz="1000" b="0" strike="noStrike" spc="-1">
               <a:latin typeface="Times New Roman"/>
@@ -2675,7 +2677,7 @@
                 </a:solidFill>
                 <a:latin typeface="Century Gothic"/>
               </a:rPr>
-              <a:t>06-05-2019</a:t>
+              <a:t>07-05-2019</a:t>
             </a:fld>
             <a:endParaRPr lang="en-IN" sz="1000" b="0" strike="noStrike" spc="-1">
               <a:latin typeface="Times New Roman"/>
@@ -2881,7 +2883,7 @@
                 </a:solidFill>
                 <a:latin typeface="Century Gothic"/>
               </a:rPr>
-              <a:t>06-05-2019</a:t>
+              <a:t>07-05-2019</a:t>
             </a:fld>
             <a:endParaRPr lang="en-IN" sz="1000" b="0" strike="noStrike" spc="-1">
               <a:latin typeface="Times New Roman"/>
@@ -3169,7 +3171,7 @@
                 </a:solidFill>
                 <a:latin typeface="Century Gothic"/>
               </a:rPr>
-              <a:t>06-05-2019</a:t>
+              <a:t>07-05-2019</a:t>
             </a:fld>
             <a:endParaRPr lang="en-IN" sz="1000" b="0" strike="noStrike" spc="-1">
               <a:latin typeface="Times New Roman"/>
@@ -3445,7 +3447,7 @@
                 </a:solidFill>
                 <a:latin typeface="Century Gothic"/>
               </a:rPr>
-              <a:t>06-05-2019</a:t>
+              <a:t>07-05-2019</a:t>
             </a:fld>
             <a:endParaRPr lang="en-IN" sz="1000" b="0" strike="noStrike" spc="-1">
               <a:latin typeface="Times New Roman"/>
@@ -3707,7 +3709,7 @@
                 </a:solidFill>
                 <a:latin typeface="Century Gothic"/>
               </a:rPr>
-              <a:t>06-05-2019</a:t>
+              <a:t>07-05-2019</a:t>
             </a:fld>
             <a:endParaRPr lang="en-IN" sz="1000" b="0" strike="noStrike" spc="-1">
               <a:latin typeface="Times New Roman"/>
@@ -4115,7 +4117,7 @@
                 </a:solidFill>
                 <a:latin typeface="Century Gothic"/>
               </a:rPr>
-              <a:t>06-05-2019</a:t>
+              <a:t>07-05-2019</a:t>
             </a:fld>
             <a:endParaRPr lang="en-IN" sz="1000" b="0" strike="noStrike" spc="-1">
               <a:latin typeface="Times New Roman"/>
@@ -4249,7 +4251,7 @@
           <a:p>
             <a:fld id="{48A87A34-81AB-432B-8DAE-1953F412C126}" type="datetimeFigureOut">
               <a:rPr lang="en-US" smtClean="0"/>
-              <a:t>5/6/2019</a:t>
+              <a:t>5/7/2019</a:t>
             </a:fld>
             <a:endParaRPr lang="en-US" dirty="0"/>
           </a:p>
@@ -4354,7 +4356,7 @@
                 </a:solidFill>
                 <a:latin typeface="Century Gothic"/>
               </a:rPr>
-              <a:t>06-05-2019</a:t>
+              <a:t>07-05-2019</a:t>
             </a:fld>
             <a:endParaRPr lang="en-IN" sz="1000" b="0" strike="noStrike" spc="-1">
               <a:latin typeface="Times New Roman"/>
@@ -4635,7 +4637,7 @@
                 </a:solidFill>
                 <a:latin typeface="Century Gothic"/>
               </a:rPr>
-              <a:t>06-05-2019</a:t>
+              <a:t>07-05-2019</a:t>
             </a:fld>
             <a:endParaRPr lang="en-IN" sz="1000" b="0" strike="noStrike" spc="-1">
               <a:latin typeface="Times New Roman"/>
@@ -4944,7 +4946,7 @@
                 </a:solidFill>
                 <a:latin typeface="Century Gothic"/>
               </a:rPr>
-              <a:t>06-05-2019</a:t>
+              <a:t>07-05-2019</a:t>
             </a:fld>
             <a:endParaRPr lang="en-IN" sz="1000" b="0" strike="noStrike" spc="-1">
               <a:latin typeface="Times New Roman"/>
@@ -5376,7 +5378,7 @@
                 </a:solidFill>
                 <a:latin typeface="Century Gothic"/>
               </a:rPr>
-              <a:t>06-05-2019</a:t>
+              <a:t>07-05-2019</a:t>
             </a:fld>
             <a:endParaRPr lang="en-IN" sz="1000" b="0" strike="noStrike" spc="-1">
               <a:latin typeface="Times New Roman"/>
@@ -10075,39 +10077,6 @@
               <a:buFont typeface="Arial"/>
               <a:buChar char="•"/>
             </a:pPr>
-            <a:r>
-              <a:rPr lang="en-IN" sz="2100" b="0" strike="noStrike" spc="-1" dirty="0">
-                <a:solidFill>
-                  <a:srgbClr val="0D0D0D"/>
-                </a:solidFill>
-                <a:latin typeface="Century Gothic"/>
-              </a:rPr>
-              <a:t>Comparison of Approaches</a:t>
-            </a:r>
-            <a:endParaRPr lang="en-IN" sz="2100" b="0" strike="noStrike" spc="-1" dirty="0">
-              <a:latin typeface="Arial"/>
-            </a:endParaRPr>
-          </a:p>
-          <a:p>
-            <a:pPr marL="343080" indent="-342720">
-              <a:lnSpc>
-                <a:spcPct val="100000"/>
-              </a:lnSpc>
-              <a:buClr>
-                <a:srgbClr val="0D0D0D"/>
-              </a:buClr>
-              <a:buFont typeface="Arial"/>
-              <a:buChar char="•"/>
-            </a:pPr>
-            <a:r>
-              <a:rPr lang="en-IN" sz="2100" b="0" strike="noStrike" spc="-1" dirty="0">
-                <a:solidFill>
-                  <a:srgbClr val="0D0D0D"/>
-                </a:solidFill>
-                <a:latin typeface="Century Gothic"/>
-              </a:rPr>
-              <a:t>Conclusion </a:t>
-            </a:r>
             <a:endParaRPr lang="en-IN" sz="2100" b="0" strike="noStrike" spc="-1" dirty="0">
               <a:latin typeface="Arial"/>
             </a:endParaRPr>
@@ -13192,7 +13161,7 @@
         </p:style>
         <p:txBody>
           <a:bodyPr anchor="ctr">
-            <a:normAutofit fontScale="55000" lnSpcReduction="20000"/>
+            <a:normAutofit fontScale="92500" lnSpcReduction="20000"/>
           </a:bodyPr>
           <a:lstStyle/>
           <a:p>
@@ -13229,42 +13198,6 @@
                 <a:latin typeface="+mj-lt"/>
               </a:rPr>
               <a:t>Due to thread overhead ( by increasing threads ) , time is increasing. </a:t>
-            </a:r>
-          </a:p>
-          <a:p>
-            <a:pPr marL="342900" indent="-342900">
-              <a:lnSpc>
-                <a:spcPct val="100000"/>
-              </a:lnSpc>
-              <a:buFont typeface="Arial" panose="020B0604020202020204" pitchFamily="34" charset="0"/>
-              <a:buChar char="•"/>
-            </a:pPr>
-            <a:r>
-              <a:rPr lang="en-US" sz="2500" spc="-1" dirty="0">
-                <a:solidFill>
-                  <a:schemeClr val="bg1"/>
-                </a:solidFill>
-                <a:latin typeface="+mj-lt"/>
-              </a:rPr>
-              <a:t>Possible reasons are Synchronization in memory ; thread overhead ( to delete ).</a:t>
-            </a:r>
-          </a:p>
-          <a:p>
-            <a:pPr marL="342900" indent="-342900">
-              <a:lnSpc>
-                <a:spcPct val="100000"/>
-              </a:lnSpc>
-              <a:buFont typeface="Arial" panose="020B0604020202020204" pitchFamily="34" charset="0"/>
-              <a:buChar char="•"/>
-            </a:pPr>
-            <a:r>
-              <a:rPr lang="en-US" sz="2500" spc="-1" dirty="0">
-                <a:solidFill>
-                  <a:schemeClr val="bg1"/>
-                </a:solidFill>
-                <a:latin typeface="+mj-lt"/>
-              </a:rPr>
-              <a:t>Because of implementation perspective Chebyshev is not with pragma implementation how it should be ( to delete )   </a:t>
             </a:r>
           </a:p>
           <a:p>
@@ -14246,14 +14179,14 @@
       </p:grpSpPr>
       <p:sp>
         <p:nvSpPr>
-          <p:cNvPr id="413" name="TextShape 1"/>
+          <p:cNvPr id="419" name="TextShape 1"/>
           <p:cNvSpPr txBox="1"/>
           <p:nvPr/>
         </p:nvSpPr>
         <p:spPr>
           <a:xfrm>
-            <a:off x="769680" y="286920"/>
-            <a:ext cx="8347680" cy="1168920"/>
+            <a:off x="1757160" y="2403720"/>
+            <a:ext cx="8534160" cy="1134000"/>
           </a:xfrm>
           <a:prstGeom prst="rect">
             <a:avLst/>
@@ -14265,25 +14198,25 @@
         </p:spPr>
         <p:txBody>
           <a:bodyPr anchor="ctr">
-            <a:normAutofit/>
+            <a:normAutofit lnSpcReduction="10000"/>
           </a:bodyPr>
           <a:lstStyle/>
           <a:p>
-            <a:pPr>
-              <a:lnSpc>
-                <a:spcPct val="100000"/>
-              </a:lnSpc>
-            </a:pPr>
-            <a:r>
-              <a:rPr lang="en-US" sz="4000" b="1" i="1" strike="noStrike" cap="all" spc="-1" dirty="0">
+            <a:pPr algn="ctr">
+              <a:lnSpc>
+                <a:spcPct val="100000"/>
+              </a:lnSpc>
+            </a:pPr>
+            <a:r>
+              <a:rPr lang="en-US" sz="7200" b="1" i="1" strike="noStrike" cap="all" spc="-1">
                 <a:solidFill>
                   <a:srgbClr val="FFFFFF"/>
                 </a:solidFill>
                 <a:latin typeface="Century Gothic"/>
               </a:rPr>
-              <a:t>PARELLISED Code SNIPPET  </a:t>
-            </a:r>
-            <a:endParaRPr lang="en-US" sz="4000" b="0" strike="noStrike" spc="-1" dirty="0">
+              <a:t>Thank you</a:t>
+            </a:r>
+            <a:endParaRPr lang="en-US" sz="7200" b="0" strike="noStrike" spc="-1">
               <a:solidFill>
                 <a:srgbClr val="FFFFFF"/>
               </a:solidFill>
@@ -14292,1134 +14225,7 @@
           </a:p>
         </p:txBody>
       </p:sp>
-      <p:sp>
-        <p:nvSpPr>
-          <p:cNvPr id="414" name="CustomShape 2"/>
-          <p:cNvSpPr/>
-          <p:nvPr/>
-        </p:nvSpPr>
-        <p:spPr>
-          <a:xfrm>
-            <a:off x="769680" y="1009440"/>
-            <a:ext cx="8534160" cy="3006360"/>
-          </a:xfrm>
-          <a:prstGeom prst="rect">
-            <a:avLst/>
-          </a:prstGeom>
-          <a:noFill/>
-          <a:ln>
-            <a:noFill/>
-          </a:ln>
-        </p:spPr>
-        <p:style>
-          <a:lnRef idx="0">
-            <a:scrgbClr r="0" g="0" b="0"/>
-          </a:lnRef>
-          <a:fillRef idx="0">
-            <a:scrgbClr r="0" g="0" b="0"/>
-          </a:fillRef>
-          <a:effectRef idx="0">
-            <a:scrgbClr r="0" g="0" b="0"/>
-          </a:effectRef>
-          <a:fontRef idx="minor"/>
-        </p:style>
-      </p:sp>
-      <p:sp>
-        <p:nvSpPr>
-          <p:cNvPr id="415" name="CustomShape 3"/>
-          <p:cNvSpPr/>
-          <p:nvPr/>
-        </p:nvSpPr>
-        <p:spPr>
-          <a:xfrm>
-            <a:off x="317520" y="2090160"/>
-            <a:ext cx="11303640" cy="4127400"/>
-          </a:xfrm>
-          <a:prstGeom prst="rect">
-            <a:avLst/>
-          </a:prstGeom>
-          <a:noFill/>
-          <a:ln>
-            <a:noFill/>
-          </a:ln>
-        </p:spPr>
-        <p:style>
-          <a:lnRef idx="0">
-            <a:scrgbClr r="0" g="0" b="0"/>
-          </a:lnRef>
-          <a:fillRef idx="0">
-            <a:scrgbClr r="0" g="0" b="0"/>
-          </a:fillRef>
-          <a:effectRef idx="0">
-            <a:scrgbClr r="0" g="0" b="0"/>
-          </a:effectRef>
-          <a:fontRef idx="minor"/>
-        </p:style>
-        <p:txBody>
-          <a:bodyPr anchor="ctr">
-            <a:normAutofit/>
-          </a:bodyPr>
-          <a:lstStyle/>
-          <a:p>
-            <a:pPr>
-              <a:lnSpc>
-                <a:spcPct val="100000"/>
-              </a:lnSpc>
-            </a:pPr>
-            <a:endParaRPr lang="en-IN" sz="2100" b="0" strike="noStrike" spc="-1" dirty="0">
-              <a:latin typeface="Arial"/>
-            </a:endParaRPr>
-          </a:p>
-          <a:p>
-            <a:pPr>
-              <a:lnSpc>
-                <a:spcPct val="100000"/>
-              </a:lnSpc>
-            </a:pPr>
-            <a:endParaRPr lang="en-IN" sz="2100" b="0" strike="noStrike" spc="-1" dirty="0">
-              <a:latin typeface="Arial"/>
-            </a:endParaRPr>
-          </a:p>
-          <a:p>
-            <a:pPr>
-              <a:lnSpc>
-                <a:spcPct val="100000"/>
-              </a:lnSpc>
-            </a:pPr>
-            <a:endParaRPr lang="en-IN" sz="2100" b="0" strike="noStrike" spc="-1" dirty="0">
-              <a:latin typeface="Arial"/>
-            </a:endParaRPr>
-          </a:p>
-          <a:p>
-            <a:pPr>
-              <a:lnSpc>
-                <a:spcPct val="100000"/>
-              </a:lnSpc>
-            </a:pPr>
-            <a:endParaRPr lang="en-IN" sz="2100" b="0" strike="noStrike" spc="-1" dirty="0">
-              <a:latin typeface="Arial"/>
-            </a:endParaRPr>
-          </a:p>
-          <a:p>
-            <a:pPr>
-              <a:lnSpc>
-                <a:spcPct val="100000"/>
-              </a:lnSpc>
-            </a:pPr>
-            <a:endParaRPr lang="en-IN" sz="2100" b="0" strike="noStrike" spc="-1" dirty="0">
-              <a:latin typeface="Arial"/>
-            </a:endParaRPr>
-          </a:p>
-        </p:txBody>
-      </p:sp>
-      <p:sp>
-        <p:nvSpPr>
-          <p:cNvPr id="5" name="CustomShape 3">
-            <a:extLst>
-              <a:ext uri="{FF2B5EF4-FFF2-40B4-BE49-F238E27FC236}">
-                <a16:creationId xmlns:a16="http://schemas.microsoft.com/office/drawing/2014/main" id="{7D03893C-7499-48B9-93BF-4FB659A76B25}"/>
-              </a:ext>
-            </a:extLst>
-          </p:cNvPr>
-          <p:cNvSpPr/>
-          <p:nvPr/>
-        </p:nvSpPr>
-        <p:spPr>
-          <a:xfrm>
-            <a:off x="300240" y="1455840"/>
-            <a:ext cx="11303640" cy="4526640"/>
-          </a:xfrm>
-          <a:prstGeom prst="rect">
-            <a:avLst/>
-          </a:prstGeom>
-          <a:noFill/>
-          <a:ln>
-            <a:noFill/>
-          </a:ln>
-        </p:spPr>
-        <p:style>
-          <a:lnRef idx="0">
-            <a:scrgbClr r="0" g="0" b="0"/>
-          </a:lnRef>
-          <a:fillRef idx="0">
-            <a:scrgbClr r="0" g="0" b="0"/>
-          </a:fillRef>
-          <a:effectRef idx="0">
-            <a:scrgbClr r="0" g="0" b="0"/>
-          </a:effectRef>
-          <a:fontRef idx="minor"/>
-        </p:style>
-        <p:txBody>
-          <a:bodyPr anchor="ctr">
-            <a:normAutofit/>
-          </a:bodyPr>
-          <a:lstStyle/>
-          <a:p>
-            <a:pPr marL="800280" lvl="1" indent="-342720">
-              <a:lnSpc>
-                <a:spcPct val="100000"/>
-              </a:lnSpc>
-              <a:buClr>
-                <a:srgbClr val="0D0D0D"/>
-              </a:buClr>
-              <a:buFont typeface="Wingdings" charset="2"/>
-              <a:buChar char=""/>
-            </a:pPr>
-            <a:endParaRPr lang="en-IN" sz="2100" spc="-1" dirty="0">
-              <a:solidFill>
-                <a:srgbClr val="0D0D0D"/>
-              </a:solidFill>
-              <a:latin typeface="Century Gothic"/>
-            </a:endParaRPr>
-          </a:p>
-          <a:p>
-            <a:pPr marL="800280" lvl="1" indent="-342720">
-              <a:lnSpc>
-                <a:spcPct val="100000"/>
-              </a:lnSpc>
-              <a:buClr>
-                <a:srgbClr val="0D0D0D"/>
-              </a:buClr>
-              <a:buFont typeface="Wingdings" charset="2"/>
-              <a:buChar char=""/>
-            </a:pPr>
-            <a:r>
-              <a:rPr lang="en-IN" sz="2100" spc="-1" dirty="0">
-                <a:solidFill>
-                  <a:srgbClr val="0D0D0D"/>
-                </a:solidFill>
-                <a:latin typeface="Century Gothic"/>
-              </a:rPr>
-              <a:t>Not Used Barrier</a:t>
-            </a:r>
-          </a:p>
-          <a:p>
-            <a:pPr marL="800280" lvl="1" indent="-342720">
-              <a:lnSpc>
-                <a:spcPct val="100000"/>
-              </a:lnSpc>
-              <a:buClr>
-                <a:srgbClr val="0D0D0D"/>
-              </a:buClr>
-              <a:buFont typeface="Wingdings" charset="2"/>
-              <a:buChar char=""/>
-            </a:pPr>
-            <a:r>
-              <a:rPr lang="en-IN" sz="2100" spc="-1" dirty="0">
-                <a:solidFill>
-                  <a:srgbClr val="0D0D0D"/>
-                </a:solidFill>
-                <a:latin typeface="Century Gothic"/>
-              </a:rPr>
-              <a:t>Not Used schedule static ; dynamic ; guided : </a:t>
-            </a:r>
-          </a:p>
-          <a:p>
-            <a:pPr marL="1257480" lvl="2" indent="-342720">
-              <a:buClr>
-                <a:srgbClr val="0D0D0D"/>
-              </a:buClr>
-              <a:buFont typeface="Wingdings" charset="2"/>
-              <a:buChar char=""/>
-            </a:pPr>
-            <a:r>
-              <a:rPr lang="en-IN" sz="2100" spc="-1" dirty="0">
-                <a:solidFill>
-                  <a:srgbClr val="0D0D0D"/>
-                </a:solidFill>
-                <a:latin typeface="Century Gothic"/>
-              </a:rPr>
-              <a:t>Because dynamic memory allocation is being done ( vector push back ) and we do not know the size of vector before hand especially in kmeans implementation.  </a:t>
-            </a:r>
-          </a:p>
-          <a:p>
-            <a:pPr marL="800280" lvl="1" indent="-342720">
-              <a:lnSpc>
-                <a:spcPct val="100000"/>
-              </a:lnSpc>
-              <a:buClr>
-                <a:srgbClr val="0D0D0D"/>
-              </a:buClr>
-              <a:buFont typeface="Wingdings" charset="2"/>
-              <a:buChar char=""/>
-            </a:pPr>
-            <a:r>
-              <a:rPr lang="en-IN" sz="2100" spc="-1" dirty="0">
-                <a:solidFill>
-                  <a:srgbClr val="0D0D0D"/>
-                </a:solidFill>
-                <a:latin typeface="Century Gothic"/>
-              </a:rPr>
-              <a:t> </a:t>
-            </a:r>
-          </a:p>
-          <a:p>
-            <a:pPr marL="800280" lvl="1" indent="-342720">
-              <a:lnSpc>
-                <a:spcPct val="100000"/>
-              </a:lnSpc>
-              <a:buClr>
-                <a:srgbClr val="0D0D0D"/>
-              </a:buClr>
-              <a:buFont typeface="Wingdings" charset="2"/>
-              <a:buChar char=""/>
-            </a:pPr>
-            <a:endParaRPr lang="en-IN" sz="2100" b="0" strike="noStrike" spc="-1" dirty="0">
-              <a:latin typeface="Arial"/>
-            </a:endParaRPr>
-          </a:p>
-          <a:p>
-            <a:pPr marL="457200">
-              <a:lnSpc>
-                <a:spcPct val="100000"/>
-              </a:lnSpc>
-            </a:pPr>
-            <a:endParaRPr lang="en-IN" sz="2100" b="0" strike="noStrike" spc="-1" dirty="0">
-              <a:latin typeface="Arial"/>
-            </a:endParaRPr>
-          </a:p>
-          <a:p>
-            <a:pPr>
-              <a:lnSpc>
-                <a:spcPct val="100000"/>
-              </a:lnSpc>
-            </a:pPr>
-            <a:endParaRPr lang="en-IN" sz="2100" b="0" strike="noStrike" spc="-1" dirty="0">
-              <a:latin typeface="Arial"/>
-            </a:endParaRPr>
-          </a:p>
-          <a:p>
-            <a:pPr>
-              <a:lnSpc>
-                <a:spcPct val="100000"/>
-              </a:lnSpc>
-            </a:pPr>
-            <a:endParaRPr lang="en-IN" sz="2100" b="0" strike="noStrike" spc="-1" dirty="0">
-              <a:latin typeface="Arial"/>
-            </a:endParaRPr>
-          </a:p>
-          <a:p>
-            <a:pPr>
-              <a:lnSpc>
-                <a:spcPct val="100000"/>
-              </a:lnSpc>
-            </a:pPr>
-            <a:endParaRPr lang="en-IN" sz="2100" b="0" strike="noStrike" spc="-1" dirty="0">
-              <a:latin typeface="Arial"/>
-            </a:endParaRPr>
-          </a:p>
-          <a:p>
-            <a:pPr>
-              <a:lnSpc>
-                <a:spcPct val="100000"/>
-              </a:lnSpc>
-            </a:pPr>
-            <a:endParaRPr lang="en-IN" sz="2100" b="0" strike="noStrike" spc="-1" dirty="0">
-              <a:latin typeface="Arial"/>
-            </a:endParaRPr>
-          </a:p>
-          <a:p>
-            <a:pPr>
-              <a:lnSpc>
-                <a:spcPct val="100000"/>
-              </a:lnSpc>
-            </a:pPr>
-            <a:endParaRPr lang="en-IN" sz="2100" b="0" strike="noStrike" spc="-1" dirty="0">
-              <a:latin typeface="Arial"/>
-            </a:endParaRPr>
-          </a:p>
-        </p:txBody>
-      </p:sp>
     </p:spTree>
-  </p:cSld>
-  <p:clrMapOvr>
-    <a:masterClrMapping/>
-  </p:clrMapOvr>
-  <p:timing>
-    <p:tnLst>
-      <p:par>
-        <p:cTn id="1" dur="indefinite" restart="never" nodeType="tmRoot">
-          <p:childTnLst>
-            <p:seq>
-              <p:cTn id="2" dur="indefinite" nodeType="mainSeq"/>
-              <p:prevCondLst>
-                <p:cond evt="onPrev" delay="0">
-                  <p:tgtEl>
-                    <p:sldTgt/>
-                  </p:tgtEl>
-                </p:cond>
-              </p:prevCondLst>
-              <p:nextCondLst>
-                <p:cond evt="onNext" delay="0">
-                  <p:tgtEl>
-                    <p:sldTgt/>
-                  </p:tgtEl>
-                </p:cond>
-              </p:nextCondLst>
-            </p:seq>
-          </p:childTnLst>
-        </p:cTn>
-      </p:par>
-    </p:tnLst>
-  </p:timing>
-</p:sld>
-</file>
-
-<file path=ppt/slides/slide29.xml><?xml version="1.0" encoding="utf-8"?>
-<p:sld xmlns:a="http://schemas.openxmlformats.org/drawingml/2006/main" xmlns:r="http://schemas.openxmlformats.org/officeDocument/2006/relationships" xmlns:p="http://schemas.openxmlformats.org/presentationml/2006/main">
-  <p:cSld>
-    <p:spTree>
-      <p:nvGrpSpPr>
-        <p:cNvPr id="1" name=""/>
-        <p:cNvGrpSpPr/>
-        <p:nvPr/>
-      </p:nvGrpSpPr>
-      <p:grpSpPr>
-        <a:xfrm>
-          <a:off x="0" y="0"/>
-          <a:ext cx="0" cy="0"/>
-          <a:chOff x="0" y="0"/>
-          <a:chExt cx="0" cy="0"/>
-        </a:xfrm>
-      </p:grpSpPr>
-      <p:sp>
-        <p:nvSpPr>
-          <p:cNvPr id="413" name="TextShape 1"/>
-          <p:cNvSpPr txBox="1"/>
-          <p:nvPr/>
-        </p:nvSpPr>
-        <p:spPr>
-          <a:xfrm>
-            <a:off x="769680" y="286920"/>
-            <a:ext cx="8347680" cy="1168920"/>
-          </a:xfrm>
-          <a:prstGeom prst="rect">
-            <a:avLst/>
-          </a:prstGeom>
-          <a:noFill/>
-          <a:ln>
-            <a:noFill/>
-          </a:ln>
-        </p:spPr>
-        <p:txBody>
-          <a:bodyPr anchor="ctr">
-            <a:normAutofit/>
-          </a:bodyPr>
-          <a:lstStyle/>
-          <a:p>
-            <a:pPr>
-              <a:lnSpc>
-                <a:spcPct val="100000"/>
-              </a:lnSpc>
-            </a:pPr>
-            <a:r>
-              <a:rPr lang="en-US" sz="4000" b="1" i="1" strike="noStrike" cap="all" spc="-1" dirty="0">
-                <a:solidFill>
-                  <a:srgbClr val="FFFFFF"/>
-                </a:solidFill>
-                <a:latin typeface="Century Gothic"/>
-              </a:rPr>
-              <a:t>PARELLISED Code SNIPPET  </a:t>
-            </a:r>
-            <a:endParaRPr lang="en-US" sz="4000" b="0" strike="noStrike" spc="-1" dirty="0">
-              <a:solidFill>
-                <a:srgbClr val="FFFFFF"/>
-              </a:solidFill>
-              <a:latin typeface="Century Gothic"/>
-            </a:endParaRPr>
-          </a:p>
-        </p:txBody>
-      </p:sp>
-      <p:sp>
-        <p:nvSpPr>
-          <p:cNvPr id="414" name="CustomShape 2"/>
-          <p:cNvSpPr/>
-          <p:nvPr/>
-        </p:nvSpPr>
-        <p:spPr>
-          <a:xfrm>
-            <a:off x="769680" y="1009440"/>
-            <a:ext cx="8534160" cy="3006360"/>
-          </a:xfrm>
-          <a:prstGeom prst="rect">
-            <a:avLst/>
-          </a:prstGeom>
-          <a:noFill/>
-          <a:ln>
-            <a:noFill/>
-          </a:ln>
-        </p:spPr>
-        <p:style>
-          <a:lnRef idx="0">
-            <a:scrgbClr r="0" g="0" b="0"/>
-          </a:lnRef>
-          <a:fillRef idx="0">
-            <a:scrgbClr r="0" g="0" b="0"/>
-          </a:fillRef>
-          <a:effectRef idx="0">
-            <a:scrgbClr r="0" g="0" b="0"/>
-          </a:effectRef>
-          <a:fontRef idx="minor"/>
-        </p:style>
-      </p:sp>
-      <p:sp>
-        <p:nvSpPr>
-          <p:cNvPr id="415" name="CustomShape 3"/>
-          <p:cNvSpPr/>
-          <p:nvPr/>
-        </p:nvSpPr>
-        <p:spPr>
-          <a:xfrm>
-            <a:off x="317520" y="2090160"/>
-            <a:ext cx="11303640" cy="4127400"/>
-          </a:xfrm>
-          <a:prstGeom prst="rect">
-            <a:avLst/>
-          </a:prstGeom>
-          <a:noFill/>
-          <a:ln>
-            <a:noFill/>
-          </a:ln>
-        </p:spPr>
-        <p:style>
-          <a:lnRef idx="0">
-            <a:scrgbClr r="0" g="0" b="0"/>
-          </a:lnRef>
-          <a:fillRef idx="0">
-            <a:scrgbClr r="0" g="0" b="0"/>
-          </a:fillRef>
-          <a:effectRef idx="0">
-            <a:scrgbClr r="0" g="0" b="0"/>
-          </a:effectRef>
-          <a:fontRef idx="minor"/>
-        </p:style>
-        <p:txBody>
-          <a:bodyPr anchor="ctr">
-            <a:normAutofit/>
-          </a:bodyPr>
-          <a:lstStyle/>
-          <a:p>
-            <a:pPr>
-              <a:lnSpc>
-                <a:spcPct val="100000"/>
-              </a:lnSpc>
-            </a:pPr>
-            <a:endParaRPr lang="en-IN" sz="2100" b="0" strike="noStrike" spc="-1" dirty="0">
-              <a:latin typeface="Arial"/>
-            </a:endParaRPr>
-          </a:p>
-          <a:p>
-            <a:pPr>
-              <a:lnSpc>
-                <a:spcPct val="100000"/>
-              </a:lnSpc>
-            </a:pPr>
-            <a:endParaRPr lang="en-IN" sz="2100" b="0" strike="noStrike" spc="-1" dirty="0">
-              <a:latin typeface="Arial"/>
-            </a:endParaRPr>
-          </a:p>
-          <a:p>
-            <a:pPr>
-              <a:lnSpc>
-                <a:spcPct val="100000"/>
-              </a:lnSpc>
-            </a:pPr>
-            <a:endParaRPr lang="en-IN" sz="2100" b="0" strike="noStrike" spc="-1" dirty="0">
-              <a:latin typeface="Arial"/>
-            </a:endParaRPr>
-          </a:p>
-          <a:p>
-            <a:pPr>
-              <a:lnSpc>
-                <a:spcPct val="100000"/>
-              </a:lnSpc>
-            </a:pPr>
-            <a:endParaRPr lang="en-IN" sz="2100" b="0" strike="noStrike" spc="-1" dirty="0">
-              <a:latin typeface="Arial"/>
-            </a:endParaRPr>
-          </a:p>
-          <a:p>
-            <a:pPr>
-              <a:lnSpc>
-                <a:spcPct val="100000"/>
-              </a:lnSpc>
-            </a:pPr>
-            <a:endParaRPr lang="en-IN" sz="2100" b="0" strike="noStrike" spc="-1" dirty="0">
-              <a:latin typeface="Arial"/>
-            </a:endParaRPr>
-          </a:p>
-        </p:txBody>
-      </p:sp>
-      <p:sp>
-        <p:nvSpPr>
-          <p:cNvPr id="5" name="CustomShape 3">
-            <a:extLst>
-              <a:ext uri="{FF2B5EF4-FFF2-40B4-BE49-F238E27FC236}">
-                <a16:creationId xmlns:a16="http://schemas.microsoft.com/office/drawing/2014/main" id="{7D03893C-7499-48B9-93BF-4FB659A76B25}"/>
-              </a:ext>
-            </a:extLst>
-          </p:cNvPr>
-          <p:cNvSpPr/>
-          <p:nvPr/>
-        </p:nvSpPr>
-        <p:spPr>
-          <a:xfrm>
-            <a:off x="300240" y="3312561"/>
-            <a:ext cx="11303640" cy="2669919"/>
-          </a:xfrm>
-          <a:prstGeom prst="rect">
-            <a:avLst/>
-          </a:prstGeom>
-          <a:noFill/>
-          <a:ln>
-            <a:noFill/>
-          </a:ln>
-        </p:spPr>
-        <p:style>
-          <a:lnRef idx="0">
-            <a:scrgbClr r="0" g="0" b="0"/>
-          </a:lnRef>
-          <a:fillRef idx="0">
-            <a:scrgbClr r="0" g="0" b="0"/>
-          </a:fillRef>
-          <a:effectRef idx="0">
-            <a:scrgbClr r="0" g="0" b="0"/>
-          </a:effectRef>
-          <a:fontRef idx="minor"/>
-        </p:style>
-        <p:txBody>
-          <a:bodyPr anchor="ctr">
-            <a:normAutofit fontScale="47500" lnSpcReduction="20000"/>
-          </a:bodyPr>
-          <a:lstStyle/>
-          <a:p>
-            <a:pPr marL="800280" lvl="1" indent="-342720">
-              <a:lnSpc>
-                <a:spcPct val="100000"/>
-              </a:lnSpc>
-              <a:buClr>
-                <a:srgbClr val="0D0D0D"/>
-              </a:buClr>
-              <a:buFont typeface="Wingdings" charset="2"/>
-              <a:buChar char=""/>
-            </a:pPr>
-            <a:r>
-              <a:rPr lang="en-IN" sz="2100" b="0" strike="noStrike" spc="-1" dirty="0">
-                <a:solidFill>
-                  <a:srgbClr val="0D0D0D"/>
-                </a:solidFill>
-                <a:latin typeface="Century Gothic"/>
-              </a:rPr>
-              <a:t>Usage of Reduction : </a:t>
-            </a:r>
-          </a:p>
-          <a:p>
-            <a:pPr marL="800280" lvl="1" indent="-342720">
-              <a:lnSpc>
-                <a:spcPct val="100000"/>
-              </a:lnSpc>
-              <a:buClr>
-                <a:srgbClr val="0D0D0D"/>
-              </a:buClr>
-              <a:buFont typeface="Wingdings" charset="2"/>
-              <a:buChar char=""/>
-            </a:pPr>
-            <a:endParaRPr lang="en-IN" sz="2100" spc="-1" dirty="0">
-              <a:solidFill>
-                <a:srgbClr val="0D0D0D"/>
-              </a:solidFill>
-              <a:latin typeface="Century Gothic"/>
-            </a:endParaRPr>
-          </a:p>
-          <a:p>
-            <a:pPr marL="800280" lvl="1" indent="-342720">
-              <a:lnSpc>
-                <a:spcPct val="100000"/>
-              </a:lnSpc>
-              <a:buClr>
-                <a:srgbClr val="0D0D0D"/>
-              </a:buClr>
-              <a:buFont typeface="Wingdings" charset="2"/>
-              <a:buChar char=""/>
-            </a:pPr>
-            <a:endParaRPr lang="en-IN" sz="2100" b="0" strike="noStrike" spc="-1" dirty="0">
-              <a:solidFill>
-                <a:srgbClr val="0D0D0D"/>
-              </a:solidFill>
-              <a:latin typeface="Century Gothic"/>
-            </a:endParaRPr>
-          </a:p>
-          <a:p>
-            <a:pPr marL="800280" lvl="1" indent="-342720">
-              <a:lnSpc>
-                <a:spcPct val="100000"/>
-              </a:lnSpc>
-              <a:buClr>
-                <a:srgbClr val="0D0D0D"/>
-              </a:buClr>
-              <a:buFont typeface="Wingdings" charset="2"/>
-              <a:buChar char=""/>
-            </a:pPr>
-            <a:endParaRPr lang="en-IN" sz="2100" spc="-1" dirty="0">
-              <a:solidFill>
-                <a:srgbClr val="0D0D0D"/>
-              </a:solidFill>
-              <a:latin typeface="Century Gothic"/>
-            </a:endParaRPr>
-          </a:p>
-          <a:p>
-            <a:pPr marL="800280" lvl="1" indent="-342720">
-              <a:lnSpc>
-                <a:spcPct val="100000"/>
-              </a:lnSpc>
-              <a:buClr>
-                <a:srgbClr val="0D0D0D"/>
-              </a:buClr>
-              <a:buFont typeface="Wingdings" charset="2"/>
-              <a:buChar char=""/>
-            </a:pPr>
-            <a:endParaRPr lang="en-IN" sz="2100" spc="-1" dirty="0">
-              <a:solidFill>
-                <a:srgbClr val="0D0D0D"/>
-              </a:solidFill>
-              <a:latin typeface="Century Gothic"/>
-            </a:endParaRPr>
-          </a:p>
-          <a:p>
-            <a:pPr marL="800280" lvl="1" indent="-342720">
-              <a:lnSpc>
-                <a:spcPct val="100000"/>
-              </a:lnSpc>
-              <a:buClr>
-                <a:srgbClr val="0D0D0D"/>
-              </a:buClr>
-              <a:buFont typeface="Wingdings" charset="2"/>
-              <a:buChar char=""/>
-            </a:pPr>
-            <a:endParaRPr lang="en-IN" sz="2100" spc="-1" dirty="0">
-              <a:solidFill>
-                <a:srgbClr val="0D0D0D"/>
-              </a:solidFill>
-              <a:latin typeface="Century Gothic"/>
-            </a:endParaRPr>
-          </a:p>
-          <a:p>
-            <a:pPr marL="800280" lvl="1" indent="-342720">
-              <a:lnSpc>
-                <a:spcPct val="100000"/>
-              </a:lnSpc>
-              <a:buClr>
-                <a:srgbClr val="0D0D0D"/>
-              </a:buClr>
-              <a:buFont typeface="Wingdings" charset="2"/>
-              <a:buChar char=""/>
-            </a:pPr>
-            <a:endParaRPr lang="en-IN" sz="2100" spc="-1" dirty="0">
-              <a:solidFill>
-                <a:srgbClr val="0D0D0D"/>
-              </a:solidFill>
-              <a:latin typeface="Century Gothic"/>
-            </a:endParaRPr>
-          </a:p>
-          <a:p>
-            <a:pPr marL="800280" lvl="1" indent="-342720">
-              <a:lnSpc>
-                <a:spcPct val="100000"/>
-              </a:lnSpc>
-              <a:buClr>
-                <a:srgbClr val="0D0D0D"/>
-              </a:buClr>
-              <a:buFont typeface="Wingdings" charset="2"/>
-              <a:buChar char=""/>
-            </a:pPr>
-            <a:endParaRPr lang="en-IN" sz="2100" spc="-1" dirty="0">
-              <a:solidFill>
-                <a:srgbClr val="0D0D0D"/>
-              </a:solidFill>
-              <a:latin typeface="Century Gothic"/>
-            </a:endParaRPr>
-          </a:p>
-          <a:p>
-            <a:pPr marL="800280" lvl="1" indent="-342720">
-              <a:lnSpc>
-                <a:spcPct val="100000"/>
-              </a:lnSpc>
-              <a:buClr>
-                <a:srgbClr val="0D0D0D"/>
-              </a:buClr>
-              <a:buFont typeface="Wingdings" charset="2"/>
-              <a:buChar char=""/>
-            </a:pPr>
-            <a:r>
-              <a:rPr lang="en-IN" sz="2100" spc="-1" dirty="0">
-                <a:solidFill>
-                  <a:srgbClr val="0D0D0D"/>
-                </a:solidFill>
-                <a:latin typeface="Century Gothic"/>
-              </a:rPr>
-              <a:t>Usage of Collapse :</a:t>
-            </a:r>
-          </a:p>
-          <a:p>
-            <a:pPr marL="800280" lvl="1" indent="-342720">
-              <a:lnSpc>
-                <a:spcPct val="100000"/>
-              </a:lnSpc>
-              <a:buClr>
-                <a:srgbClr val="0D0D0D"/>
-              </a:buClr>
-              <a:buFont typeface="Wingdings" charset="2"/>
-              <a:buChar char=""/>
-            </a:pPr>
-            <a:endParaRPr lang="en-IN" sz="2100" spc="-1" dirty="0">
-              <a:solidFill>
-                <a:srgbClr val="0D0D0D"/>
-              </a:solidFill>
-              <a:latin typeface="Century Gothic"/>
-            </a:endParaRPr>
-          </a:p>
-          <a:p>
-            <a:pPr marL="800280" lvl="1" indent="-342720">
-              <a:lnSpc>
-                <a:spcPct val="100000"/>
-              </a:lnSpc>
-              <a:buClr>
-                <a:srgbClr val="0D0D0D"/>
-              </a:buClr>
-              <a:buFont typeface="Wingdings" charset="2"/>
-              <a:buChar char=""/>
-            </a:pPr>
-            <a:endParaRPr lang="en-IN" sz="2100" spc="-1" dirty="0">
-              <a:solidFill>
-                <a:srgbClr val="0D0D0D"/>
-              </a:solidFill>
-              <a:latin typeface="Century Gothic"/>
-            </a:endParaRPr>
-          </a:p>
-          <a:p>
-            <a:pPr marL="800280" lvl="1" indent="-342720">
-              <a:lnSpc>
-                <a:spcPct val="100000"/>
-              </a:lnSpc>
-              <a:buClr>
-                <a:srgbClr val="0D0D0D"/>
-              </a:buClr>
-              <a:buFont typeface="Wingdings" charset="2"/>
-              <a:buChar char=""/>
-            </a:pPr>
-            <a:endParaRPr lang="en-IN" sz="2100" spc="-1" dirty="0">
-              <a:solidFill>
-                <a:srgbClr val="0D0D0D"/>
-              </a:solidFill>
-              <a:latin typeface="Century Gothic"/>
-            </a:endParaRPr>
-          </a:p>
-          <a:p>
-            <a:pPr marL="800280" lvl="1" indent="-342720">
-              <a:lnSpc>
-                <a:spcPct val="100000"/>
-              </a:lnSpc>
-              <a:buClr>
-                <a:srgbClr val="0D0D0D"/>
-              </a:buClr>
-              <a:buFont typeface="Wingdings" charset="2"/>
-              <a:buChar char=""/>
-            </a:pPr>
-            <a:endParaRPr lang="en-IN" sz="2100" spc="-1" dirty="0">
-              <a:solidFill>
-                <a:srgbClr val="0D0D0D"/>
-              </a:solidFill>
-              <a:latin typeface="Century Gothic"/>
-            </a:endParaRPr>
-          </a:p>
-          <a:p>
-            <a:pPr marL="800280" lvl="1" indent="-342720">
-              <a:lnSpc>
-                <a:spcPct val="100000"/>
-              </a:lnSpc>
-              <a:buClr>
-                <a:srgbClr val="0D0D0D"/>
-              </a:buClr>
-              <a:buFont typeface="Wingdings" charset="2"/>
-              <a:buChar char=""/>
-            </a:pPr>
-            <a:endParaRPr lang="en-IN" sz="2100" spc="-1" dirty="0">
-              <a:solidFill>
-                <a:srgbClr val="0D0D0D"/>
-              </a:solidFill>
-              <a:latin typeface="Century Gothic"/>
-            </a:endParaRPr>
-          </a:p>
-          <a:p>
-            <a:pPr marL="800280" lvl="1" indent="-342720">
-              <a:lnSpc>
-                <a:spcPct val="100000"/>
-              </a:lnSpc>
-              <a:buClr>
-                <a:srgbClr val="0D0D0D"/>
-              </a:buClr>
-              <a:buFont typeface="Wingdings" charset="2"/>
-              <a:buChar char=""/>
-            </a:pPr>
-            <a:endParaRPr lang="en-IN" sz="2100" spc="-1" dirty="0">
-              <a:solidFill>
-                <a:srgbClr val="0D0D0D"/>
-              </a:solidFill>
-              <a:latin typeface="Century Gothic"/>
-            </a:endParaRPr>
-          </a:p>
-          <a:p>
-            <a:pPr marL="800280" lvl="1" indent="-342720">
-              <a:lnSpc>
-                <a:spcPct val="100000"/>
-              </a:lnSpc>
-              <a:buClr>
-                <a:srgbClr val="0D0D0D"/>
-              </a:buClr>
-              <a:buFont typeface="Wingdings" charset="2"/>
-              <a:buChar char=""/>
-            </a:pPr>
-            <a:r>
-              <a:rPr lang="en-IN" sz="2100" b="0" strike="noStrike" spc="-1" dirty="0">
-                <a:solidFill>
-                  <a:srgbClr val="0D0D0D"/>
-                </a:solidFill>
-                <a:latin typeface="Century Gothic"/>
-              </a:rPr>
-              <a:t>Usage o</a:t>
-            </a:r>
-            <a:r>
-              <a:rPr lang="en-IN" sz="2100" spc="-1" dirty="0">
-                <a:solidFill>
-                  <a:srgbClr val="0D0D0D"/>
-                </a:solidFill>
-                <a:latin typeface="Century Gothic"/>
-              </a:rPr>
-              <a:t>f Parallel For :</a:t>
-            </a:r>
-          </a:p>
-          <a:p>
-            <a:pPr marL="457560" lvl="1">
-              <a:lnSpc>
-                <a:spcPct val="100000"/>
-              </a:lnSpc>
-              <a:buClr>
-                <a:srgbClr val="0D0D0D"/>
-              </a:buClr>
-            </a:pPr>
-            <a:endParaRPr lang="en-IN" sz="2100" spc="-1" dirty="0">
-              <a:solidFill>
-                <a:srgbClr val="0D0D0D"/>
-              </a:solidFill>
-              <a:latin typeface="Century Gothic"/>
-            </a:endParaRPr>
-          </a:p>
-          <a:p>
-            <a:pPr marL="800280" lvl="1" indent="-342720">
-              <a:lnSpc>
-                <a:spcPct val="100000"/>
-              </a:lnSpc>
-              <a:buClr>
-                <a:srgbClr val="0D0D0D"/>
-              </a:buClr>
-              <a:buFont typeface="Wingdings" charset="2"/>
-              <a:buChar char=""/>
-            </a:pPr>
-            <a:r>
-              <a:rPr lang="en-IN" sz="2100" spc="-1" dirty="0">
-                <a:solidFill>
-                  <a:srgbClr val="0D0D0D"/>
-                </a:solidFill>
-                <a:latin typeface="Century Gothic"/>
-              </a:rPr>
-              <a:t>No Wait : </a:t>
-            </a:r>
-          </a:p>
-          <a:p>
-            <a:pPr marL="800280" lvl="1" indent="-342720">
-              <a:lnSpc>
-                <a:spcPct val="100000"/>
-              </a:lnSpc>
-              <a:buClr>
-                <a:srgbClr val="0D0D0D"/>
-              </a:buClr>
-              <a:buFont typeface="Wingdings" charset="2"/>
-              <a:buChar char=""/>
-            </a:pPr>
-            <a:r>
-              <a:rPr lang="en-IN" sz="2100" spc="-1" dirty="0">
-                <a:solidFill>
-                  <a:srgbClr val="0D0D0D"/>
-                </a:solidFill>
-                <a:latin typeface="Century Gothic"/>
-              </a:rPr>
-              <a:t>Variations based on number of threads </a:t>
-            </a:r>
-          </a:p>
-          <a:p>
-            <a:pPr marL="800280" lvl="1" indent="-342720">
-              <a:lnSpc>
-                <a:spcPct val="100000"/>
-              </a:lnSpc>
-              <a:buClr>
-                <a:srgbClr val="0D0D0D"/>
-              </a:buClr>
-              <a:buFont typeface="Wingdings" charset="2"/>
-              <a:buChar char=""/>
-            </a:pPr>
-            <a:r>
-              <a:rPr lang="en-IN" sz="2100" spc="-1" dirty="0">
-                <a:solidFill>
-                  <a:srgbClr val="0D0D0D"/>
-                </a:solidFill>
-                <a:latin typeface="Century Gothic"/>
-              </a:rPr>
-              <a:t>False Sharing has been prevented for Chebyshev distance in parallel. </a:t>
-            </a:r>
-          </a:p>
-          <a:p>
-            <a:pPr marL="800280" lvl="1" indent="-342720">
-              <a:lnSpc>
-                <a:spcPct val="100000"/>
-              </a:lnSpc>
-              <a:buClr>
-                <a:srgbClr val="0D0D0D"/>
-              </a:buClr>
-              <a:buFont typeface="Wingdings" charset="2"/>
-              <a:buChar char=""/>
-            </a:pPr>
-            <a:endParaRPr lang="en-IN" sz="2100" b="0" strike="noStrike" spc="-1" dirty="0">
-              <a:latin typeface="Arial"/>
-            </a:endParaRPr>
-          </a:p>
-          <a:p>
-            <a:pPr marL="457200">
-              <a:lnSpc>
-                <a:spcPct val="100000"/>
-              </a:lnSpc>
-            </a:pPr>
-            <a:endParaRPr lang="en-IN" sz="2100" b="0" strike="noStrike" spc="-1" dirty="0">
-              <a:latin typeface="Arial"/>
-            </a:endParaRPr>
-          </a:p>
-          <a:p>
-            <a:pPr>
-              <a:lnSpc>
-                <a:spcPct val="100000"/>
-              </a:lnSpc>
-            </a:pPr>
-            <a:endParaRPr lang="en-IN" sz="2100" b="0" strike="noStrike" spc="-1" dirty="0">
-              <a:latin typeface="Arial"/>
-            </a:endParaRPr>
-          </a:p>
-          <a:p>
-            <a:pPr>
-              <a:lnSpc>
-                <a:spcPct val="100000"/>
-              </a:lnSpc>
-            </a:pPr>
-            <a:endParaRPr lang="en-IN" sz="2100" b="0" strike="noStrike" spc="-1" dirty="0">
-              <a:latin typeface="Arial"/>
-            </a:endParaRPr>
-          </a:p>
-          <a:p>
-            <a:pPr>
-              <a:lnSpc>
-                <a:spcPct val="100000"/>
-              </a:lnSpc>
-            </a:pPr>
-            <a:endParaRPr lang="en-IN" sz="2100" b="0" strike="noStrike" spc="-1" dirty="0">
-              <a:latin typeface="Arial"/>
-            </a:endParaRPr>
-          </a:p>
-          <a:p>
-            <a:pPr>
-              <a:lnSpc>
-                <a:spcPct val="100000"/>
-              </a:lnSpc>
-            </a:pPr>
-            <a:endParaRPr lang="en-IN" sz="2100" b="0" strike="noStrike" spc="-1" dirty="0">
-              <a:latin typeface="Arial"/>
-            </a:endParaRPr>
-          </a:p>
-          <a:p>
-            <a:pPr>
-              <a:lnSpc>
-                <a:spcPct val="100000"/>
-              </a:lnSpc>
-            </a:pPr>
-            <a:endParaRPr lang="en-IN" sz="2100" b="0" strike="noStrike" spc="-1" dirty="0">
-              <a:latin typeface="Arial"/>
-            </a:endParaRPr>
-          </a:p>
-        </p:txBody>
-      </p:sp>
-      <p:pic>
-        <p:nvPicPr>
-          <p:cNvPr id="2" name="Picture 1">
-            <a:extLst>
-              <a:ext uri="{FF2B5EF4-FFF2-40B4-BE49-F238E27FC236}">
-                <a16:creationId xmlns:a16="http://schemas.microsoft.com/office/drawing/2014/main" id="{6A58F1E9-81BD-4007-8B2C-953C89159F9C}"/>
-              </a:ext>
-            </a:extLst>
-          </p:cNvPr>
-          <p:cNvPicPr>
-            <a:picLocks noChangeAspect="1"/>
-          </p:cNvPicPr>
-          <p:nvPr/>
-        </p:nvPicPr>
-        <p:blipFill>
-          <a:blip r:embed="rId2"/>
-          <a:stretch>
-            <a:fillRect/>
-          </a:stretch>
-        </p:blipFill>
-        <p:spPr>
-          <a:xfrm>
-            <a:off x="1166857" y="1599622"/>
-            <a:ext cx="7553325" cy="981075"/>
-          </a:xfrm>
-          <a:prstGeom prst="rect">
-            <a:avLst/>
-          </a:prstGeom>
-        </p:spPr>
-      </p:pic>
-      <p:pic>
-        <p:nvPicPr>
-          <p:cNvPr id="3" name="Picture 2">
-            <a:extLst>
-              <a:ext uri="{FF2B5EF4-FFF2-40B4-BE49-F238E27FC236}">
-                <a16:creationId xmlns:a16="http://schemas.microsoft.com/office/drawing/2014/main" id="{ABF6E3B0-0697-4329-818A-1B104F85B551}"/>
-              </a:ext>
-            </a:extLst>
-          </p:cNvPr>
-          <p:cNvPicPr>
-            <a:picLocks noChangeAspect="1"/>
-          </p:cNvPicPr>
-          <p:nvPr/>
-        </p:nvPicPr>
-        <p:blipFill>
-          <a:blip r:embed="rId3"/>
-          <a:stretch>
-            <a:fillRect/>
-          </a:stretch>
-        </p:blipFill>
-        <p:spPr>
-          <a:xfrm>
-            <a:off x="1166856" y="3147813"/>
-            <a:ext cx="7553325" cy="810301"/>
-          </a:xfrm>
-          <a:prstGeom prst="rect">
-            <a:avLst/>
-          </a:prstGeom>
-        </p:spPr>
-      </p:pic>
-    </p:spTree>
-    <p:extLst>
-      <p:ext uri="{BB962C8B-B14F-4D97-AF65-F5344CB8AC3E}">
-        <p14:creationId xmlns:p14="http://schemas.microsoft.com/office/powerpoint/2010/main" val="1872276123"/>
-      </p:ext>
-    </p:extLst>
   </p:cSld>
   <p:clrMapOvr>
     <a:masterClrMapping/>
@@ -15675,18 +14481,7 @@
                 <a:latin typeface="Century Gothic"/>
                 <a:hlinkClick r:id="rId2"/>
               </a:rPr>
-              <a:t>https://</a:t>
-            </a:r>
-            <a:r>
-              <a:rPr lang="en-IN" sz="2300" b="0" u="sng" strike="noStrike" spc="-1" dirty="0">
-                <a:solidFill>
-                  <a:srgbClr val="103A58"/>
-                </a:solidFill>
-                <a:uFillTx/>
-                <a:latin typeface="Century Gothic"/>
-                <a:hlinkClick r:id="rId2"/>
-              </a:rPr>
-              <a:t>www.cl.cam.ac.uk/research/dtg/attarchive/facedatabase.html</a:t>
+              <a:t>https://www.cl.cam.ac.uk/research/dtg/attarchive/facedatabase.html</a:t>
             </a:r>
             <a:r>
               <a:rPr lang="en-IN" sz="2300" b="0" strike="noStrike" spc="-1" dirty="0">
@@ -15821,29 +14616,7 @@
                 <a:latin typeface="Century Gothic"/>
                 <a:hlinkClick r:id="rId3"/>
               </a:rPr>
-              <a:t>https</a:t>
-            </a:r>
-            <a:r>
-              <a:rPr lang="en-IN" sz="2300" b="0" u="sng" strike="noStrike" spc="-1" dirty="0">
-                <a:solidFill>
-                  <a:srgbClr val="103A58"/>
-                </a:solidFill>
-                <a:uFillTx/>
-                <a:latin typeface="Century Gothic"/>
-                <a:hlinkClick r:id="rId3"/>
-              </a:rPr>
-              <a:t>://</a:t>
-            </a:r>
-            <a:r>
-              <a:rPr lang="en-IN" sz="2300" b="0" u="sng" strike="noStrike" spc="-1" dirty="0">
-                <a:solidFill>
-                  <a:srgbClr val="103A58"/>
-                </a:solidFill>
-                <a:uFillTx/>
-                <a:latin typeface="Century Gothic"/>
-                <a:hlinkClick r:id="rId3"/>
-              </a:rPr>
-              <a:t>cswww.essex.ac.uk/mv/allfaces/faces94.html</a:t>
+              <a:t>https://cswww.essex.ac.uk/mv/allfaces/faces94.html</a:t>
             </a:r>
             <a:endParaRPr lang="en-IN" sz="2300" b="0" strike="noStrike" spc="-1" dirty="0">
               <a:latin typeface="Arial"/>
@@ -15951,18 +14724,7 @@
                 <a:latin typeface="Century Gothic"/>
                 <a:hlinkClick r:id="rId3"/>
               </a:rPr>
-              <a:t>https://</a:t>
-            </a:r>
-            <a:r>
-              <a:rPr lang="en-IN" sz="2300" b="0" u="sng" strike="noStrike" spc="-1" dirty="0">
-                <a:solidFill>
-                  <a:srgbClr val="103A58"/>
-                </a:solidFill>
-                <a:uFillTx/>
-                <a:latin typeface="Century Gothic"/>
-                <a:hlinkClick r:id="rId3"/>
-              </a:rPr>
-              <a:t>cswww.essex.ac.uk/mv/allfaces/faces95.html</a:t>
+              <a:t>https://cswww.essex.ac.uk/mv/allfaces/faces95.html</a:t>
             </a:r>
             <a:endParaRPr lang="en-IN" sz="2300" b="0" strike="noStrike" spc="-1" dirty="0">
               <a:latin typeface="Arial"/>
@@ -16070,18 +14832,7 @@
                 <a:latin typeface="Century Gothic"/>
                 <a:hlinkClick r:id="rId4"/>
               </a:rPr>
-              <a:t>http://vision.ucsd.edu/~</a:t>
-            </a:r>
-            <a:r>
-              <a:rPr lang="en-IN" sz="2300" b="0" u="sng" strike="noStrike" spc="-1" dirty="0">
-                <a:solidFill>
-                  <a:srgbClr val="103A58"/>
-                </a:solidFill>
-                <a:uFillTx/>
-                <a:latin typeface="Century Gothic"/>
-                <a:hlinkClick r:id="rId4"/>
-              </a:rPr>
-              <a:t>iskwak/ExtYaleDatabase/ExtYaleB.html</a:t>
+              <a:t>http://vision.ucsd.edu/~iskwak/ExtYaleDatabase/ExtYaleB.html</a:t>
             </a:r>
             <a:endParaRPr lang="en-IN" sz="2300" b="0" strike="noStrike" spc="-1" dirty="0">
               <a:latin typeface="Arial"/>
@@ -16177,336 +14928,6 @@
             </a:pPr>
             <a:endParaRPr lang="en-IN" sz="2300" b="0" strike="noStrike" spc="-1" dirty="0">
               <a:latin typeface="Arial"/>
-            </a:endParaRPr>
-          </a:p>
-        </p:txBody>
-      </p:sp>
-    </p:spTree>
-  </p:cSld>
-  <p:clrMapOvr>
-    <a:masterClrMapping/>
-  </p:clrMapOvr>
-  <p:timing>
-    <p:tnLst>
-      <p:par>
-        <p:cTn id="1" dur="indefinite" restart="never" nodeType="tmRoot">
-          <p:childTnLst>
-            <p:seq>
-              <p:cTn id="2" dur="indefinite" nodeType="mainSeq"/>
-              <p:prevCondLst>
-                <p:cond evt="onPrev" delay="0">
-                  <p:tgtEl>
-                    <p:sldTgt/>
-                  </p:tgtEl>
-                </p:cond>
-              </p:prevCondLst>
-              <p:nextCondLst>
-                <p:cond evt="onNext" delay="0">
-                  <p:tgtEl>
-                    <p:sldTgt/>
-                  </p:tgtEl>
-                </p:cond>
-              </p:nextCondLst>
-            </p:seq>
-          </p:childTnLst>
-        </p:cTn>
-      </p:par>
-    </p:tnLst>
-  </p:timing>
-</p:sld>
-</file>
-
-<file path=ppt/slides/slide30.xml><?xml version="1.0" encoding="utf-8"?>
-<p:sld xmlns:a="http://schemas.openxmlformats.org/drawingml/2006/main" xmlns:r="http://schemas.openxmlformats.org/officeDocument/2006/relationships" xmlns:p="http://schemas.openxmlformats.org/presentationml/2006/main">
-  <p:cSld>
-    <p:spTree>
-      <p:nvGrpSpPr>
-        <p:cNvPr id="1" name=""/>
-        <p:cNvGrpSpPr/>
-        <p:nvPr/>
-      </p:nvGrpSpPr>
-      <p:grpSpPr>
-        <a:xfrm>
-          <a:off x="0" y="0"/>
-          <a:ext cx="0" cy="0"/>
-          <a:chOff x="0" y="0"/>
-          <a:chExt cx="0" cy="0"/>
-        </a:xfrm>
-      </p:grpSpPr>
-      <p:sp>
-        <p:nvSpPr>
-          <p:cNvPr id="416" name="TextShape 1"/>
-          <p:cNvSpPr txBox="1"/>
-          <p:nvPr/>
-        </p:nvSpPr>
-        <p:spPr>
-          <a:xfrm>
-            <a:off x="769680" y="286920"/>
-            <a:ext cx="6422760" cy="1168920"/>
-          </a:xfrm>
-          <a:prstGeom prst="rect">
-            <a:avLst/>
-          </a:prstGeom>
-          <a:noFill/>
-          <a:ln>
-            <a:noFill/>
-          </a:ln>
-        </p:spPr>
-        <p:txBody>
-          <a:bodyPr anchor="ctr">
-            <a:normAutofit/>
-          </a:bodyPr>
-          <a:lstStyle/>
-          <a:p>
-            <a:pPr>
-              <a:lnSpc>
-                <a:spcPct val="100000"/>
-              </a:lnSpc>
-            </a:pPr>
-            <a:r>
-              <a:rPr lang="en-US" sz="4000" b="1" i="1" strike="noStrike" cap="all" spc="-1">
-                <a:solidFill>
-                  <a:srgbClr val="FFFFFF"/>
-                </a:solidFill>
-                <a:latin typeface="Century Gothic"/>
-              </a:rPr>
-              <a:t>CONCLUSIONS</a:t>
-            </a:r>
-            <a:endParaRPr lang="en-US" sz="4000" b="0" strike="noStrike" spc="-1">
-              <a:solidFill>
-                <a:srgbClr val="FFFFFF"/>
-              </a:solidFill>
-              <a:latin typeface="Century Gothic"/>
-            </a:endParaRPr>
-          </a:p>
-        </p:txBody>
-      </p:sp>
-      <p:sp>
-        <p:nvSpPr>
-          <p:cNvPr id="417" name="CustomShape 2"/>
-          <p:cNvSpPr/>
-          <p:nvPr/>
-        </p:nvSpPr>
-        <p:spPr>
-          <a:xfrm>
-            <a:off x="769680" y="1009440"/>
-            <a:ext cx="8534160" cy="3006360"/>
-          </a:xfrm>
-          <a:prstGeom prst="rect">
-            <a:avLst/>
-          </a:prstGeom>
-          <a:noFill/>
-          <a:ln>
-            <a:noFill/>
-          </a:ln>
-        </p:spPr>
-        <p:style>
-          <a:lnRef idx="0">
-            <a:scrgbClr r="0" g="0" b="0"/>
-          </a:lnRef>
-          <a:fillRef idx="0">
-            <a:scrgbClr r="0" g="0" b="0"/>
-          </a:fillRef>
-          <a:effectRef idx="0">
-            <a:scrgbClr r="0" g="0" b="0"/>
-          </a:effectRef>
-          <a:fontRef idx="minor"/>
-        </p:style>
-      </p:sp>
-      <p:sp>
-        <p:nvSpPr>
-          <p:cNvPr id="418" name="CustomShape 3"/>
-          <p:cNvSpPr/>
-          <p:nvPr/>
-        </p:nvSpPr>
-        <p:spPr>
-          <a:xfrm>
-            <a:off x="300240" y="1319400"/>
-            <a:ext cx="11303640" cy="4663080"/>
-          </a:xfrm>
-          <a:prstGeom prst="rect">
-            <a:avLst/>
-          </a:prstGeom>
-          <a:noFill/>
-          <a:ln>
-            <a:noFill/>
-          </a:ln>
-        </p:spPr>
-        <p:style>
-          <a:lnRef idx="0">
-            <a:scrgbClr r="0" g="0" b="0"/>
-          </a:lnRef>
-          <a:fillRef idx="0">
-            <a:scrgbClr r="0" g="0" b="0"/>
-          </a:fillRef>
-          <a:effectRef idx="0">
-            <a:scrgbClr r="0" g="0" b="0"/>
-          </a:effectRef>
-          <a:fontRef idx="minor"/>
-        </p:style>
-        <p:txBody>
-          <a:bodyPr anchor="ctr">
-            <a:normAutofit/>
-          </a:bodyPr>
-          <a:lstStyle/>
-          <a:p>
-            <a:pPr marL="457200">
-              <a:lnSpc>
-                <a:spcPct val="100000"/>
-              </a:lnSpc>
-            </a:pPr>
-            <a:endParaRPr lang="en-IN" sz="2100" b="0" strike="noStrike" spc="-1" dirty="0">
-              <a:latin typeface="Arial"/>
-            </a:endParaRPr>
-          </a:p>
-          <a:p>
-            <a:pPr>
-              <a:lnSpc>
-                <a:spcPct val="100000"/>
-              </a:lnSpc>
-            </a:pPr>
-            <a:endParaRPr lang="en-IN" sz="2100" b="0" strike="noStrike" spc="-1" dirty="0">
-              <a:latin typeface="Arial"/>
-            </a:endParaRPr>
-          </a:p>
-          <a:p>
-            <a:pPr>
-              <a:lnSpc>
-                <a:spcPct val="100000"/>
-              </a:lnSpc>
-            </a:pPr>
-            <a:endParaRPr lang="en-IN" sz="2100" b="0" strike="noStrike" spc="-1" dirty="0">
-              <a:latin typeface="Arial"/>
-            </a:endParaRPr>
-          </a:p>
-          <a:p>
-            <a:pPr>
-              <a:lnSpc>
-                <a:spcPct val="100000"/>
-              </a:lnSpc>
-            </a:pPr>
-            <a:endParaRPr lang="en-IN" sz="2100" b="0" strike="noStrike" spc="-1" dirty="0">
-              <a:latin typeface="Arial"/>
-            </a:endParaRPr>
-          </a:p>
-          <a:p>
-            <a:pPr>
-              <a:lnSpc>
-                <a:spcPct val="100000"/>
-              </a:lnSpc>
-            </a:pPr>
-            <a:endParaRPr lang="en-IN" sz="2100" b="0" strike="noStrike" spc="-1" dirty="0">
-              <a:latin typeface="Arial"/>
-            </a:endParaRPr>
-          </a:p>
-          <a:p>
-            <a:pPr>
-              <a:lnSpc>
-                <a:spcPct val="100000"/>
-              </a:lnSpc>
-            </a:pPr>
-            <a:endParaRPr lang="en-IN" sz="2100" b="0" strike="noStrike" spc="-1" dirty="0">
-              <a:latin typeface="Arial"/>
-            </a:endParaRPr>
-          </a:p>
-        </p:txBody>
-      </p:sp>
-    </p:spTree>
-  </p:cSld>
-  <p:clrMapOvr>
-    <a:masterClrMapping/>
-  </p:clrMapOvr>
-  <p:timing>
-    <p:tnLst>
-      <p:par>
-        <p:cTn id="1" dur="indefinite" restart="never" nodeType="tmRoot">
-          <p:childTnLst>
-            <p:seq>
-              <p:cTn id="2" dur="indefinite" nodeType="mainSeq"/>
-              <p:prevCondLst>
-                <p:cond evt="onPrev" delay="0">
-                  <p:tgtEl>
-                    <p:sldTgt/>
-                  </p:tgtEl>
-                </p:cond>
-              </p:prevCondLst>
-              <p:nextCondLst>
-                <p:cond evt="onNext" delay="0">
-                  <p:tgtEl>
-                    <p:sldTgt/>
-                  </p:tgtEl>
-                </p:cond>
-              </p:nextCondLst>
-            </p:seq>
-          </p:childTnLst>
-        </p:cTn>
-      </p:par>
-    </p:tnLst>
-  </p:timing>
-</p:sld>
-</file>
-
-<file path=ppt/slides/slide31.xml><?xml version="1.0" encoding="utf-8"?>
-<p:sld xmlns:a="http://schemas.openxmlformats.org/drawingml/2006/main" xmlns:r="http://schemas.openxmlformats.org/officeDocument/2006/relationships" xmlns:p="http://schemas.openxmlformats.org/presentationml/2006/main">
-  <p:cSld>
-    <p:spTree>
-      <p:nvGrpSpPr>
-        <p:cNvPr id="1" name=""/>
-        <p:cNvGrpSpPr/>
-        <p:nvPr/>
-      </p:nvGrpSpPr>
-      <p:grpSpPr>
-        <a:xfrm>
-          <a:off x="0" y="0"/>
-          <a:ext cx="0" cy="0"/>
-          <a:chOff x="0" y="0"/>
-          <a:chExt cx="0" cy="0"/>
-        </a:xfrm>
-      </p:grpSpPr>
-      <p:sp>
-        <p:nvSpPr>
-          <p:cNvPr id="419" name="TextShape 1"/>
-          <p:cNvSpPr txBox="1"/>
-          <p:nvPr/>
-        </p:nvSpPr>
-        <p:spPr>
-          <a:xfrm>
-            <a:off x="1757160" y="2403720"/>
-            <a:ext cx="8534160" cy="1134000"/>
-          </a:xfrm>
-          <a:prstGeom prst="rect">
-            <a:avLst/>
-          </a:prstGeom>
-          <a:noFill/>
-          <a:ln>
-            <a:noFill/>
-          </a:ln>
-        </p:spPr>
-        <p:txBody>
-          <a:bodyPr anchor="ctr">
-            <a:normAutofit lnSpcReduction="10000"/>
-          </a:bodyPr>
-          <a:lstStyle/>
-          <a:p>
-            <a:pPr algn="ctr">
-              <a:lnSpc>
-                <a:spcPct val="100000"/>
-              </a:lnSpc>
-            </a:pPr>
-            <a:r>
-              <a:rPr lang="en-US" sz="7200" b="1" i="1" strike="noStrike" cap="all" spc="-1">
-                <a:solidFill>
-                  <a:srgbClr val="FFFFFF"/>
-                </a:solidFill>
-                <a:latin typeface="Century Gothic"/>
-              </a:rPr>
-              <a:t>Thank you</a:t>
-            </a:r>
-            <a:endParaRPr lang="en-US" sz="7200" b="0" strike="noStrike" spc="-1">
-              <a:solidFill>
-                <a:srgbClr val="FFFFFF"/>
-              </a:solidFill>
-              <a:latin typeface="Century Gothic"/>
             </a:endParaRPr>
           </a:p>
         </p:txBody>
@@ -18896,29 +17317,7 @@
                 <a:latin typeface="Century Gothic"/>
                 <a:hlinkClick r:id="rId3"/>
               </a:rPr>
-              <a:t>https</a:t>
-            </a:r>
-            <a:r>
-              <a:rPr lang="en-IN" sz="2300" b="0" u="sng" strike="noStrike" spc="-1" dirty="0">
-                <a:solidFill>
-                  <a:srgbClr val="103A58"/>
-                </a:solidFill>
-                <a:uFillTx/>
-                <a:latin typeface="Century Gothic"/>
-                <a:hlinkClick r:id="rId3"/>
-              </a:rPr>
-              <a:t>://</a:t>
-            </a:r>
-            <a:r>
-              <a:rPr lang="en-IN" sz="2300" b="0" u="sng" strike="noStrike" spc="-1" dirty="0">
-                <a:solidFill>
-                  <a:srgbClr val="103A58"/>
-                </a:solidFill>
-                <a:uFillTx/>
-                <a:latin typeface="Century Gothic"/>
-                <a:hlinkClick r:id="rId3"/>
-              </a:rPr>
-              <a:t>cswww.essex.ac.uk/mv/allfaces/faces94.html</a:t>
+              <a:t>https://cswww.essex.ac.uk/mv/allfaces/faces94.html</a:t>
             </a:r>
             <a:endParaRPr lang="en-IN" sz="2300" b="0" strike="noStrike" spc="-1" dirty="0">
               <a:latin typeface="Arial"/>
@@ -18968,29 +17367,7 @@
                 <a:latin typeface="Century Gothic"/>
                 <a:hlinkClick r:id="rId4"/>
               </a:rPr>
-              <a:t>https</a:t>
-            </a:r>
-            <a:r>
-              <a:rPr lang="en-IN" sz="2300" b="0" u="sng" strike="noStrike" spc="-1" dirty="0">
-                <a:solidFill>
-                  <a:srgbClr val="103A58"/>
-                </a:solidFill>
-                <a:uFillTx/>
-                <a:latin typeface="Century Gothic"/>
-                <a:hlinkClick r:id="rId4"/>
-              </a:rPr>
-              <a:t>://</a:t>
-            </a:r>
-            <a:r>
-              <a:rPr lang="en-IN" sz="2300" b="0" u="sng" strike="noStrike" spc="-1" dirty="0">
-                <a:solidFill>
-                  <a:srgbClr val="103A58"/>
-                </a:solidFill>
-                <a:uFillTx/>
-                <a:latin typeface="Century Gothic"/>
-                <a:hlinkClick r:id="rId4"/>
-              </a:rPr>
-              <a:t>cswww.essex.ac.uk/mv/allfaces/faces95.html</a:t>
+              <a:t>https://cswww.essex.ac.uk/mv/allfaces/faces95.html</a:t>
             </a:r>
             <a:endParaRPr lang="en-IN" sz="2300" b="0" strike="noStrike" spc="-1" dirty="0">
               <a:latin typeface="Arial"/>
@@ -19040,29 +17417,7 @@
                 <a:latin typeface="Century Gothic"/>
                 <a:hlinkClick r:id="rId5"/>
               </a:rPr>
-              <a:t>http</a:t>
-            </a:r>
-            <a:r>
-              <a:rPr lang="en-IN" sz="2300" b="0" u="sng" strike="noStrike" spc="-1" dirty="0">
-                <a:solidFill>
-                  <a:srgbClr val="103A58"/>
-                </a:solidFill>
-                <a:uFillTx/>
-                <a:latin typeface="Century Gothic"/>
-                <a:hlinkClick r:id="rId5"/>
-              </a:rPr>
-              <a:t>://vision.ucsd.edu/~</a:t>
-            </a:r>
-            <a:r>
-              <a:rPr lang="en-IN" sz="2300" b="0" u="sng" strike="noStrike" spc="-1" dirty="0">
-                <a:solidFill>
-                  <a:srgbClr val="103A58"/>
-                </a:solidFill>
-                <a:uFillTx/>
-                <a:latin typeface="Century Gothic"/>
-                <a:hlinkClick r:id="rId5"/>
-              </a:rPr>
-              <a:t>iskwak/ExtYaleDatabase/ExtYaleB.html</a:t>
+              <a:t>http://vision.ucsd.edu/~iskwak/ExtYaleDatabase/ExtYaleB.html</a:t>
             </a:r>
             <a:endParaRPr lang="en-IN" sz="2300" b="0" strike="noStrike" spc="-1" dirty="0">
               <a:latin typeface="Arial"/>
@@ -19455,7 +17810,7 @@
         </p:style>
         <p:txBody>
           <a:bodyPr anchor="ctr">
-            <a:normAutofit fontScale="85000" lnSpcReduction="20000"/>
+            <a:normAutofit fontScale="92500" lnSpcReduction="10000"/>
           </a:bodyPr>
           <a:lstStyle/>
           <a:p>
@@ -19511,31 +17866,6 @@
               </a:rPr>
               <a:t>Classes shown by different color are over lapping. </a:t>
             </a:r>
-          </a:p>
-          <a:p>
-            <a:pPr marL="342900" indent="-342900">
-              <a:lnSpc>
-                <a:spcPct val="100000"/>
-              </a:lnSpc>
-              <a:buFont typeface="Arial" panose="020B0604020202020204" pitchFamily="34" charset="0"/>
-              <a:buChar char="•"/>
-            </a:pPr>
-            <a:r>
-              <a:rPr lang="en-IN" sz="2500" spc="-1" dirty="0">
-                <a:solidFill>
-                  <a:schemeClr val="bg1"/>
-                </a:solidFill>
-                <a:latin typeface="+mj-lt"/>
-              </a:rPr>
-              <a:t>May not get good accuracy on kmeans from here ( to delete ) </a:t>
-            </a:r>
-          </a:p>
-          <a:p>
-            <a:pPr>
-              <a:lnSpc>
-                <a:spcPct val="100000"/>
-              </a:lnSpc>
-            </a:pPr>
             <a:endParaRPr lang="en-IN" sz="2100" b="0" strike="noStrike" spc="-1" dirty="0">
               <a:solidFill>
                 <a:schemeClr val="bg1"/>
